--- a/docs/2016ВКР230618ШОХИН.pptx
+++ b/docs/2016ВКР230618ШОХИН.pptx
@@ -9,8 +9,8 @@
   </p:notesMasterIdLst>
   <p:sldIdLst>
     <p:sldId id="263" r:id="rId2"/>
-    <p:sldId id="259" r:id="rId3"/>
-    <p:sldId id="260" r:id="rId4"/>
+    <p:sldId id="260" r:id="rId3"/>
+    <p:sldId id="259" r:id="rId4"/>
     <p:sldId id="264" r:id="rId5"/>
     <p:sldId id="262" r:id="rId6"/>
     <p:sldId id="265" r:id="rId7"/>
@@ -202,7 +202,7 @@
             <a:fld id="{2E7D38E4-1297-4463-A14E-CC783232C4DE}" type="datetimeFigureOut">
               <a:rPr lang="ru-RU" smtClean="0"/>
               <a:pPr/>
-              <a:t>15.06.2016</a:t>
+              <a:t>17.06.2016</a:t>
             </a:fld>
             <a:endParaRPr lang="ru-RU"/>
           </a:p>
@@ -612,7 +612,7 @@
             <a:fld id="{9E3E8628-9E13-4226-A6E6-B691A9AF8DA4}" type="datetime1">
               <a:rPr lang="en-US" smtClean="0"/>
               <a:pPr/>
-              <a:t>6/15/2016</a:t>
+              <a:t>6/17/2016</a:t>
             </a:fld>
             <a:endParaRPr lang="en-US"/>
           </a:p>
@@ -860,6 +860,9 @@
   <p:clrMapOvr>
     <a:masterClrMapping/>
   </p:clrMapOvr>
+  <p:transition>
+    <p:fade/>
+  </p:transition>
 </p:sldLayout>
 </file>
 
@@ -973,7 +976,7 @@
             <a:fld id="{DC3C50DF-C7C9-4B01-8B5B-97C65CE199A7}" type="datetime1">
               <a:rPr lang="en-US" smtClean="0"/>
               <a:pPr/>
-              <a:t>6/15/2016</a:t>
+              <a:t>6/17/2016</a:t>
             </a:fld>
             <a:endParaRPr lang="en-US"/>
           </a:p>
@@ -1027,6 +1030,9 @@
   <p:clrMapOvr>
     <a:masterClrMapping/>
   </p:clrMapOvr>
+  <p:transition>
+    <p:fade/>
+  </p:transition>
 </p:sldLayout>
 </file>
 
@@ -1150,7 +1156,7 @@
             <a:fld id="{AEF4241F-5D53-4FEC-A97F-143E21C4290C}" type="datetime1">
               <a:rPr lang="en-US" smtClean="0"/>
               <a:pPr/>
-              <a:t>6/15/2016</a:t>
+              <a:t>6/17/2016</a:t>
             </a:fld>
             <a:endParaRPr lang="en-US"/>
           </a:p>
@@ -1326,6 +1332,9 @@
   <p:clrMapOvr>
     <a:masterClrMapping/>
   </p:clrMapOvr>
+  <p:transition>
+    <p:fade/>
+  </p:transition>
 </p:sldLayout>
 </file>
 
@@ -1387,7 +1396,7 @@
             <a:fld id="{A969F12F-05B1-4F00-929A-63F6866B2704}" type="datetime1">
               <a:rPr lang="en-US" smtClean="0"/>
               <a:pPr/>
-              <a:t>6/15/2016</a:t>
+              <a:t>6/17/2016</a:t>
             </a:fld>
             <a:endParaRPr lang="en-US"/>
           </a:p>
@@ -1498,6 +1507,9 @@
   <p:clrMapOvr>
     <a:masterClrMapping/>
   </p:clrMapOvr>
+  <p:transition>
+    <p:fade/>
+  </p:transition>
 </p:sldLayout>
 </file>
 
@@ -1658,7 +1670,7 @@
             <a:fld id="{C476CBD2-CFBE-48A0-A448-550E61B6B6F2}" type="datetime1">
               <a:rPr lang="en-US" smtClean="0"/>
               <a:pPr/>
-              <a:t>6/15/2016</a:t>
+              <a:t>6/17/2016</a:t>
             </a:fld>
             <a:endParaRPr lang="en-US"/>
           </a:p>
@@ -1814,6 +1826,9 @@
   <p:clrMapOvr>
     <a:overrideClrMapping bg1="dk1" tx1="lt1" bg2="dk2" tx2="lt2" accent1="accent1" accent2="accent2" accent3="accent3" accent4="accent4" accent5="accent5" accent6="accent6" hlink="hlink" folHlink="folHlink"/>
   </p:clrMapOvr>
+  <p:transition>
+    <p:fade/>
+  </p:transition>
 </p:sldLayout>
 </file>
 
@@ -1880,7 +1895,7 @@
             <a:fld id="{C2D654B2-914F-417C-A31F-00043C31E451}" type="datetime1">
               <a:rPr lang="en-US" smtClean="0"/>
               <a:pPr/>
-              <a:t>6/15/2016</a:t>
+              <a:t>6/17/2016</a:t>
             </a:fld>
             <a:endParaRPr lang="en-US"/>
           </a:p>
@@ -2048,6 +2063,9 @@
   <p:clrMapOvr>
     <a:masterClrMapping/>
   </p:clrMapOvr>
+  <p:transition>
+    <p:fade/>
+  </p:transition>
 </p:sldLayout>
 </file>
 
@@ -2234,7 +2252,7 @@
             <a:fld id="{26708A6A-AE41-4E2F-A049-FD60B94A46C2}" type="datetime1">
               <a:rPr lang="en-US" smtClean="0"/>
               <a:pPr/>
-              <a:t>6/15/2016</a:t>
+              <a:t>6/17/2016</a:t>
             </a:fld>
             <a:endParaRPr lang="en-US"/>
           </a:p>
@@ -2402,6 +2420,9 @@
   <p:clrMapOvr>
     <a:masterClrMapping/>
   </p:clrMapOvr>
+  <p:transition>
+    <p:fade/>
+  </p:transition>
 </p:sldLayout>
 </file>
 
@@ -2468,7 +2489,7 @@
             <a:fld id="{E5323273-2D55-4486-A1CC-77534EB32753}" type="datetime1">
               <a:rPr lang="en-US" smtClean="0"/>
               <a:pPr/>
-              <a:t>6/15/2016</a:t>
+              <a:t>6/17/2016</a:t>
             </a:fld>
             <a:endParaRPr lang="en-US"/>
           </a:p>
@@ -2572,6 +2593,9 @@
   <p:clrMapOvr>
     <a:masterClrMapping/>
   </p:clrMapOvr>
+  <p:transition>
+    <p:fade/>
+  </p:transition>
 </p:sldLayout>
 </file>
 
@@ -2610,7 +2634,7 @@
             <a:fld id="{58D1739C-E02F-4C28-96AA-AB6463369FEB}" type="datetime1">
               <a:rPr lang="en-US" smtClean="0"/>
               <a:pPr/>
-              <a:t>6/15/2016</a:t>
+              <a:t>6/17/2016</a:t>
             </a:fld>
             <a:endParaRPr lang="en-US"/>
           </a:p>
@@ -2750,6 +2774,9 @@
   <p:clrMapOvr>
     <a:masterClrMapping/>
   </p:clrMapOvr>
+  <p:transition>
+    <p:fade/>
+  </p:transition>
 </p:sldLayout>
 </file>
 
@@ -2889,7 +2916,7 @@
             <a:fld id="{228C3840-F469-40BD-A9CF-93B942B3D9AF}" type="datetime1">
               <a:rPr lang="en-US" smtClean="0"/>
               <a:pPr/>
-              <a:t>6/15/2016</a:t>
+              <a:t>6/17/2016</a:t>
             </a:fld>
             <a:endParaRPr lang="en-US"/>
           </a:p>
@@ -3122,6 +3149,9 @@
   <p:clrMapOvr>
     <a:masterClrMapping/>
   </p:clrMapOvr>
+  <p:transition>
+    <p:fade/>
+  </p:transition>
 </p:sldLayout>
 </file>
 
@@ -3298,7 +3328,7 @@
             <a:fld id="{E6943A27-1C18-43DD-B1C5-C89B459378E8}" type="datetime1">
               <a:rPr lang="en-US" smtClean="0"/>
               <a:pPr/>
-              <a:t>6/15/2016</a:t>
+              <a:t>6/17/2016</a:t>
             </a:fld>
             <a:endParaRPr lang="en-US"/>
           </a:p>
@@ -3484,6 +3514,9 @@
   <p:clrMapOvr>
     <a:overrideClrMapping bg1="dk1" tx1="lt1" bg2="dk2" tx2="lt2" accent1="accent1" accent2="accent2" accent3="accent3" accent4="accent4" accent5="accent5" accent6="accent6" hlink="hlink" folHlink="folHlink"/>
   </p:clrMapOvr>
+  <p:transition>
+    <p:fade/>
+  </p:transition>
 </p:sldLayout>
 </file>
 
@@ -3638,7 +3671,7 @@
             <a:fld id="{4BF8A427-E51B-4143-A662-F465CF238D2F}" type="datetime1">
               <a:rPr lang="en-US" smtClean="0"/>
               <a:pPr/>
-              <a:t>6/15/2016</a:t>
+              <a:t>6/17/2016</a:t>
             </a:fld>
             <a:endParaRPr lang="en-US"/>
           </a:p>
@@ -3857,6 +3890,9 @@
     <p:sldLayoutId id="2147483706" r:id="rId10"/>
     <p:sldLayoutId id="2147483707" r:id="rId11"/>
   </p:sldLayoutIdLst>
+  <p:transition>
+    <p:fade/>
+  </p:transition>
   <p:hf hdr="0" ftr="0" dt="0"/>
   <p:txStyles>
     <p:titleStyle>
@@ -4262,7 +4298,21 @@
                 <a:latin typeface="Times New Roman" pitchFamily="18" charset="0"/>
                 <a:cs typeface="Times New Roman" pitchFamily="18" charset="0"/>
               </a:rPr>
-              <a:t>«Интерактивная карта университета с отображением расписания по аудиториям»</a:t>
+              <a:t>«Интерактивная карта университета с отображением расписания</a:t>
+            </a:r>
+            <a:r>
+              <a:rPr lang="en-US" sz="2400" dirty="0" smtClean="0">
+                <a:latin typeface="Times New Roman" pitchFamily="18" charset="0"/>
+                <a:cs typeface="Times New Roman" pitchFamily="18" charset="0"/>
+              </a:rPr>
+              <a:t> </a:t>
+            </a:r>
+            <a:r>
+              <a:rPr lang="ru-RU" sz="2400" dirty="0" smtClean="0">
+                <a:latin typeface="Times New Roman" pitchFamily="18" charset="0"/>
+                <a:cs typeface="Times New Roman" pitchFamily="18" charset="0"/>
+              </a:rPr>
+              <a:t>занятий по аудиториям»</a:t>
             </a:r>
             <a:endParaRPr lang="en-US" sz="2400" dirty="0" smtClean="0">
               <a:latin typeface="Times New Roman" pitchFamily="18" charset="0"/>
@@ -4288,7 +4338,7 @@
                 <a:latin typeface="Times New Roman" pitchFamily="18" charset="0"/>
                 <a:cs typeface="Times New Roman" pitchFamily="18" charset="0"/>
               </a:rPr>
-              <a:t>разработка интерактивной карты университета с отображением расписания по аудиториям.</a:t>
+              <a:t>разработка интерактивной карты университета с отображением расписания занятий по аудиториям.</a:t>
             </a:r>
           </a:p>
           <a:p>
@@ -4421,6 +4471,16 @@
   <p:clrMapOvr>
     <a:masterClrMapping/>
   </p:clrMapOvr>
+  <p:transition>
+    <p:fade/>
+  </p:transition>
+  <p:timing>
+    <p:tnLst>
+      <p:par>
+        <p:cTn id="1" dur="indefinite" restart="never" nodeType="tmRoot"/>
+      </p:par>
+    </p:tnLst>
+  </p:timing>
 </p:sld>
 </file>
 
@@ -4487,21 +4547,21 @@
           <a:p>
             <a:pPr lvl="0"/>
             <a:r>
-              <a:rPr lang="ru-RU" sz="3600" dirty="0" smtClean="0"/>
+              <a:rPr lang="ru-RU" dirty="0" smtClean="0"/>
               <a:t>реализация поддержки дополнительных корпусов и этажей;</a:t>
             </a:r>
           </a:p>
           <a:p>
             <a:pPr lvl="0"/>
             <a:r>
-              <a:rPr lang="ru-RU" sz="3600" dirty="0" smtClean="0"/>
+              <a:rPr lang="ru-RU" dirty="0" smtClean="0"/>
               <a:t>переход программы на мобильные платформы;</a:t>
             </a:r>
           </a:p>
           <a:p>
             <a:pPr lvl="0"/>
             <a:r>
-              <a:rPr lang="ru-RU" sz="3600" dirty="0" smtClean="0"/>
+              <a:rPr lang="ru-RU" dirty="0" smtClean="0"/>
               <a:t>добавление поиска и прокладывания маршрута между объектами.</a:t>
             </a:r>
           </a:p>
@@ -4536,6 +4596,16 @@
   <p:clrMapOvr>
     <a:masterClrMapping/>
   </p:clrMapOvr>
+  <p:transition>
+    <p:fade/>
+  </p:transition>
+  <p:timing>
+    <p:tnLst>
+      <p:par>
+        <p:cTn id="1" dur="indefinite" restart="never" nodeType="tmRoot"/>
+      </p:par>
+    </p:tnLst>
+  </p:timing>
 </p:sld>
 </file>
 
@@ -4573,7 +4643,7 @@
           <a:p>
             <a:r>
               <a:rPr lang="ru-RU" b="1" dirty="0" smtClean="0"/>
-              <a:t>Архитектура</a:t>
+              <a:t>Исследование направлений разработки</a:t>
             </a:r>
             <a:endParaRPr lang="ru-RU" b="1" dirty="0"/>
           </a:p>
@@ -4581,7 +4651,7 @@
       </p:sp>
       <p:sp>
         <p:nvSpPr>
-          <p:cNvPr id="6" name="Номер слайда 5"/>
+          <p:cNvPr id="7" name="Номер слайда 6"/>
           <p:cNvSpPr>
             <a:spLocks noGrp="1"/>
           </p:cNvSpPr>
@@ -4600,324 +4670,6 @@
               <a:t>2</a:t>
             </a:fld>
             <a:endParaRPr lang="en-US"/>
-          </a:p>
-        </p:txBody>
-      </p:sp>
-      <p:pic>
-        <p:nvPicPr>
-          <p:cNvPr id="2050" name="Picture 2" descr="C:\Users\egors\Desktop\Безымянный.png"/>
-          <p:cNvPicPr>
-            <a:picLocks noChangeAspect="1" noChangeArrowheads="1"/>
-          </p:cNvPicPr>
-          <p:nvPr/>
-        </p:nvPicPr>
-        <p:blipFill>
-          <a:blip r:embed="rId2"/>
-          <a:srcRect/>
-          <a:stretch>
-            <a:fillRect/>
-          </a:stretch>
-        </p:blipFill>
-        <p:spPr bwMode="auto">
-          <a:xfrm>
-            <a:off x="2071670" y="1214422"/>
-            <a:ext cx="5286375" cy="5105400"/>
-          </a:xfrm>
-          <a:prstGeom prst="rect">
-            <a:avLst/>
-          </a:prstGeom>
-          <a:noFill/>
-        </p:spPr>
-      </p:pic>
-      <p:sp>
-        <p:nvSpPr>
-          <p:cNvPr id="8" name="TextBox 7"/>
-          <p:cNvSpPr txBox="1"/>
-          <p:nvPr/>
-        </p:nvSpPr>
-        <p:spPr>
-          <a:xfrm>
-            <a:off x="4500562" y="2786059"/>
-            <a:ext cx="928694" cy="307777"/>
-          </a:xfrm>
-          <a:prstGeom prst="rect">
-            <a:avLst/>
-          </a:prstGeom>
-          <a:noFill/>
-        </p:spPr>
-        <p:txBody>
-          <a:bodyPr wrap="square" rtlCol="0">
-            <a:spAutoFit/>
-          </a:bodyPr>
-          <a:lstStyle/>
-          <a:p>
-            <a:r>
-              <a:rPr lang="en-US" sz="1400" b="1" dirty="0" smtClean="0">
-                <a:solidFill>
-                  <a:schemeClr val="bg1"/>
-                </a:solidFill>
-                <a:latin typeface="Ebrima" pitchFamily="2" charset="0"/>
-                <a:ea typeface="Ebrima" pitchFamily="2" charset="0"/>
-                <a:cs typeface="Ebrima" pitchFamily="2" charset="0"/>
-              </a:rPr>
-              <a:t>Request</a:t>
-            </a:r>
-            <a:endParaRPr lang="ru-RU" sz="1400" b="1" dirty="0">
-              <a:solidFill>
-                <a:schemeClr val="bg1"/>
-              </a:solidFill>
-              <a:ea typeface="Ebrima" pitchFamily="2" charset="0"/>
-              <a:cs typeface="Ebrima" pitchFamily="2" charset="0"/>
-            </a:endParaRPr>
-          </a:p>
-        </p:txBody>
-      </p:sp>
-      <p:sp>
-        <p:nvSpPr>
-          <p:cNvPr id="10" name="TextBox 9"/>
-          <p:cNvSpPr txBox="1"/>
-          <p:nvPr/>
-        </p:nvSpPr>
-        <p:spPr>
-          <a:xfrm>
-            <a:off x="5643570" y="2571744"/>
-            <a:ext cx="1071570" cy="307777"/>
-          </a:xfrm>
-          <a:prstGeom prst="rect">
-            <a:avLst/>
-          </a:prstGeom>
-          <a:noFill/>
-        </p:spPr>
-        <p:txBody>
-          <a:bodyPr wrap="square" rtlCol="0">
-            <a:spAutoFit/>
-          </a:bodyPr>
-          <a:lstStyle/>
-          <a:p>
-            <a:r>
-              <a:rPr lang="en-US" sz="1400" b="1" dirty="0" smtClean="0">
-                <a:solidFill>
-                  <a:schemeClr val="bg1"/>
-                </a:solidFill>
-                <a:latin typeface="Ebrima" pitchFamily="2" charset="0"/>
-                <a:ea typeface="Ebrima" pitchFamily="2" charset="0"/>
-                <a:cs typeface="Ebrima" pitchFamily="2" charset="0"/>
-              </a:rPr>
-              <a:t>Response</a:t>
-            </a:r>
-            <a:endParaRPr lang="ru-RU" sz="1400" b="1" dirty="0">
-              <a:solidFill>
-                <a:schemeClr val="bg1"/>
-              </a:solidFill>
-              <a:ea typeface="Ebrima" pitchFamily="2" charset="0"/>
-              <a:cs typeface="Ebrima" pitchFamily="2" charset="0"/>
-            </a:endParaRPr>
-          </a:p>
-        </p:txBody>
-      </p:sp>
-      <p:sp>
-        <p:nvSpPr>
-          <p:cNvPr id="11" name="TextBox 10"/>
-          <p:cNvSpPr txBox="1"/>
-          <p:nvPr/>
-        </p:nvSpPr>
-        <p:spPr>
-          <a:xfrm>
-            <a:off x="2428860" y="5143512"/>
-            <a:ext cx="928694" cy="307777"/>
-          </a:xfrm>
-          <a:prstGeom prst="rect">
-            <a:avLst/>
-          </a:prstGeom>
-          <a:noFill/>
-        </p:spPr>
-        <p:txBody>
-          <a:bodyPr wrap="square" rtlCol="0">
-            <a:spAutoFit/>
-          </a:bodyPr>
-          <a:lstStyle/>
-          <a:p>
-            <a:r>
-              <a:rPr lang="en-US" sz="1400" b="1" dirty="0" smtClean="0">
-                <a:solidFill>
-                  <a:schemeClr val="bg1"/>
-                </a:solidFill>
-                <a:latin typeface="Ebrima" pitchFamily="2" charset="0"/>
-                <a:ea typeface="Ebrima" pitchFamily="2" charset="0"/>
-                <a:cs typeface="Ebrima" pitchFamily="2" charset="0"/>
-              </a:rPr>
-              <a:t>MySQL</a:t>
-            </a:r>
-            <a:endParaRPr lang="ru-RU" sz="1400" b="1" dirty="0">
-              <a:solidFill>
-                <a:schemeClr val="bg1"/>
-              </a:solidFill>
-              <a:ea typeface="Ebrima" pitchFamily="2" charset="0"/>
-              <a:cs typeface="Ebrima" pitchFamily="2" charset="0"/>
-            </a:endParaRPr>
-          </a:p>
-        </p:txBody>
-      </p:sp>
-      <p:sp>
-        <p:nvSpPr>
-          <p:cNvPr id="12" name="TextBox 11"/>
-          <p:cNvSpPr txBox="1"/>
-          <p:nvPr/>
-        </p:nvSpPr>
-        <p:spPr>
-          <a:xfrm>
-            <a:off x="2357422" y="3071810"/>
-            <a:ext cx="1285884" cy="307777"/>
-          </a:xfrm>
-          <a:prstGeom prst="rect">
-            <a:avLst/>
-          </a:prstGeom>
-          <a:noFill/>
-        </p:spPr>
-        <p:txBody>
-          <a:bodyPr wrap="square" rtlCol="0">
-            <a:spAutoFit/>
-          </a:bodyPr>
-          <a:lstStyle/>
-          <a:p>
-            <a:r>
-              <a:rPr lang="en-US" sz="1400" b="1" dirty="0" smtClean="0">
-                <a:solidFill>
-                  <a:schemeClr val="bg1"/>
-                </a:solidFill>
-                <a:latin typeface="Ebrima" pitchFamily="2" charset="0"/>
-                <a:ea typeface="Ebrima" pitchFamily="2" charset="0"/>
-                <a:cs typeface="Ebrima" pitchFamily="2" charset="0"/>
-              </a:rPr>
-              <a:t>HTML + SVG</a:t>
-            </a:r>
-            <a:endParaRPr lang="ru-RU" sz="1400" b="1" dirty="0">
-              <a:solidFill>
-                <a:schemeClr val="bg1"/>
-              </a:solidFill>
-              <a:ea typeface="Ebrima" pitchFamily="2" charset="0"/>
-              <a:cs typeface="Ebrima" pitchFamily="2" charset="0"/>
-            </a:endParaRPr>
-          </a:p>
-        </p:txBody>
-      </p:sp>
-    </p:spTree>
-  </p:cSld>
-  <p:clrMapOvr>
-    <a:masterClrMapping/>
-  </p:clrMapOvr>
-</p:sld>
-</file>
-
-<file path=ppt/slides/slide3.xml><?xml version="1.0" encoding="utf-8"?>
-<p:sld xmlns:a="http://schemas.openxmlformats.org/drawingml/2006/main" xmlns:r="http://schemas.openxmlformats.org/officeDocument/2006/relationships" xmlns:p="http://schemas.openxmlformats.org/presentationml/2006/main">
-  <p:cSld>
-    <p:spTree>
-      <p:nvGrpSpPr>
-        <p:cNvPr id="1" name=""/>
-        <p:cNvGrpSpPr/>
-        <p:nvPr/>
-      </p:nvGrpSpPr>
-      <p:grpSpPr>
-        <a:xfrm>
-          <a:off x="0" y="0"/>
-          <a:ext cx="0" cy="0"/>
-          <a:chOff x="0" y="0"/>
-          <a:chExt cx="0" cy="0"/>
-        </a:xfrm>
-      </p:grpSpPr>
-      <p:sp>
-        <p:nvSpPr>
-          <p:cNvPr id="2" name="Заголовок 1"/>
-          <p:cNvSpPr>
-            <a:spLocks noGrp="1"/>
-          </p:cNvSpPr>
-          <p:nvPr>
-            <p:ph type="title"/>
-          </p:nvPr>
-        </p:nvSpPr>
-        <p:spPr/>
-        <p:txBody>
-          <a:bodyPr/>
-          <a:lstStyle/>
-          <a:p>
-            <a:r>
-              <a:rPr lang="ru-RU" b="1" dirty="0" smtClean="0"/>
-              <a:t>Оценка направлений разработки</a:t>
-            </a:r>
-            <a:endParaRPr lang="ru-RU" b="1" dirty="0"/>
-          </a:p>
-        </p:txBody>
-      </p:sp>
-      <p:sp>
-        <p:nvSpPr>
-          <p:cNvPr id="7" name="Номер слайда 6"/>
-          <p:cNvSpPr>
-            <a:spLocks noGrp="1"/>
-          </p:cNvSpPr>
-          <p:nvPr>
-            <p:ph type="sldNum" sz="quarter" idx="12"/>
-          </p:nvPr>
-        </p:nvSpPr>
-        <p:spPr/>
-        <p:txBody>
-          <a:bodyPr/>
-          <a:lstStyle/>
-          <a:p>
-            <a:fld id="{7BEB5BB6-300C-4D5B-9AC3-521233952C76}" type="slidenum">
-              <a:rPr lang="en-US" smtClean="0"/>
-              <a:pPr/>
-              <a:t>3</a:t>
-            </a:fld>
-            <a:endParaRPr lang="en-US"/>
-          </a:p>
-        </p:txBody>
-      </p:sp>
-      <p:sp>
-        <p:nvSpPr>
-          <p:cNvPr id="8" name="Содержимое 7"/>
-          <p:cNvSpPr>
-            <a:spLocks noGrp="1"/>
-          </p:cNvSpPr>
-          <p:nvPr>
-            <p:ph sz="quarter" idx="1"/>
-          </p:nvPr>
-        </p:nvSpPr>
-        <p:spPr>
-          <a:xfrm>
-            <a:off x="142844" y="4357694"/>
-            <a:ext cx="8543956" cy="1799266"/>
-          </a:xfrm>
-        </p:spPr>
-        <p:txBody>
-          <a:bodyPr>
-            <a:normAutofit/>
-          </a:bodyPr>
-          <a:lstStyle/>
-          <a:p>
-            <a:pPr marL="0" indent="0">
-              <a:buNone/>
-            </a:pPr>
-            <a:r>
-              <a:rPr lang="ru-RU" dirty="0" smtClean="0"/>
-              <a:t>Итог: при разработке интерактивной карты университета следует базироваться на проекте </a:t>
-            </a:r>
-            <a:r>
-              <a:rPr lang="ru-RU" dirty="0" smtClean="0"/>
-              <a:t>карты </a:t>
-            </a:r>
-            <a:r>
-              <a:rPr lang="ru-RU" dirty="0" smtClean="0"/>
-              <a:t>2ГИС, </a:t>
-            </a:r>
-            <a:r>
-              <a:rPr lang="ru-RU" dirty="0" smtClean="0"/>
-              <a:t>так как она наиболее подходит под описание будущего </a:t>
-            </a:r>
-            <a:r>
-              <a:rPr lang="ru-RU" dirty="0" smtClean="0"/>
-              <a:t>проекта.</a:t>
-            </a:r>
           </a:p>
         </p:txBody>
       </p:sp>
@@ -4930,8 +4682,8 @@
           <p:nvPr/>
         </p:nvGraphicFramePr>
         <p:xfrm>
-          <a:off x="214282" y="1285861"/>
-          <a:ext cx="8715436" cy="3032674"/>
+          <a:off x="214282" y="1285859"/>
+          <a:ext cx="8786876" cy="3714776"/>
         </p:xfrm>
         <a:graphic>
           <a:graphicData uri="http://schemas.openxmlformats.org/drawingml/2006/table">
@@ -4940,12 +4692,12 @@
                 <a:tableStyleId>{7DF18680-E054-41AD-8BC1-D1AEF772440D}</a:tableStyleId>
               </a:tblPr>
               <a:tblGrid>
-                <a:gridCol w="2178859"/>
-                <a:gridCol w="2178859"/>
-                <a:gridCol w="2178859"/>
-                <a:gridCol w="2178859"/>
+                <a:gridCol w="2196719"/>
+                <a:gridCol w="2196719"/>
+                <a:gridCol w="2196719"/>
+                <a:gridCol w="2196719"/>
               </a:tblGrid>
-              <a:tr h="306820">
+              <a:tr h="489891">
                 <a:tc>
                   <a:txBody>
                     <a:bodyPr/>
@@ -5038,7 +4790,7 @@
                   <a:tcPr anchor="ctr"/>
                 </a:tc>
               </a:tr>
-              <a:tr h="512355">
+              <a:tr h="857309">
                 <a:tc>
                   <a:txBody>
                     <a:bodyPr/>
@@ -5067,11 +4819,11 @@
                     <a:p>
                       <a:pPr algn="ctr"/>
                       <a:r>
-                        <a:rPr lang="en-US" dirty="0" smtClean="0">
+                        <a:rPr lang="ru-RU" dirty="0" smtClean="0">
                           <a:latin typeface="Times New Roman" pitchFamily="18" charset="0"/>
                           <a:cs typeface="Times New Roman" pitchFamily="18" charset="0"/>
                         </a:rPr>
-                        <a:t>2</a:t>
+                        <a:t>3</a:t>
                       </a:r>
                       <a:endParaRPr lang="ru-RU" dirty="0">
                         <a:latin typeface="Times New Roman" pitchFamily="18" charset="0"/>
@@ -5088,11 +4840,11 @@
                     <a:p>
                       <a:pPr algn="ctr"/>
                       <a:r>
-                        <a:rPr lang="en-US" dirty="0" smtClean="0">
+                        <a:rPr lang="ru-RU" dirty="0" smtClean="0">
                           <a:latin typeface="Times New Roman" pitchFamily="18" charset="0"/>
                           <a:cs typeface="Times New Roman" pitchFamily="18" charset="0"/>
                         </a:rPr>
-                        <a:t>0</a:t>
+                        <a:t>4</a:t>
                       </a:r>
                       <a:endParaRPr lang="ru-RU" dirty="0">
                         <a:latin typeface="Times New Roman" pitchFamily="18" charset="0"/>
@@ -5109,11 +4861,11 @@
                     <a:p>
                       <a:pPr algn="ctr"/>
                       <a:r>
-                        <a:rPr lang="en-US" dirty="0" smtClean="0">
+                        <a:rPr lang="ru-RU" dirty="0" smtClean="0">
                           <a:latin typeface="Times New Roman" pitchFamily="18" charset="0"/>
                           <a:cs typeface="Times New Roman" pitchFamily="18" charset="0"/>
                         </a:rPr>
-                        <a:t>3</a:t>
+                        <a:t>5</a:t>
                       </a:r>
                       <a:endParaRPr lang="ru-RU" dirty="0">
                         <a:latin typeface="Times New Roman" pitchFamily="18" charset="0"/>
@@ -5124,7 +4876,7 @@
                   <a:tcPr anchor="ctr"/>
                 </a:tc>
               </a:tr>
-              <a:tr h="512355">
+              <a:tr h="857309">
                 <a:tc>
                   <a:txBody>
                     <a:bodyPr/>
@@ -5153,11 +4905,11 @@
                     <a:p>
                       <a:pPr algn="ctr"/>
                       <a:r>
-                        <a:rPr lang="en-US" dirty="0" smtClean="0">
+                        <a:rPr lang="ru-RU" dirty="0" smtClean="0">
                           <a:latin typeface="Times New Roman" pitchFamily="18" charset="0"/>
                           <a:cs typeface="Times New Roman" pitchFamily="18" charset="0"/>
                         </a:rPr>
-                        <a:t>2</a:t>
+                        <a:t>5</a:t>
                       </a:r>
                       <a:endParaRPr lang="ru-RU" dirty="0">
                         <a:latin typeface="Times New Roman" pitchFamily="18" charset="0"/>
@@ -5174,11 +4926,11 @@
                     <a:p>
                       <a:pPr algn="ctr"/>
                       <a:r>
-                        <a:rPr lang="en-US" dirty="0" smtClean="0">
+                        <a:rPr lang="ru-RU" dirty="0" smtClean="0">
                           <a:latin typeface="Times New Roman" pitchFamily="18" charset="0"/>
                           <a:cs typeface="Times New Roman" pitchFamily="18" charset="0"/>
                         </a:rPr>
-                        <a:t>4</a:t>
+                        <a:t>3</a:t>
                       </a:r>
                       <a:endParaRPr lang="ru-RU" dirty="0">
                         <a:latin typeface="Times New Roman" pitchFamily="18" charset="0"/>
@@ -5195,11 +4947,11 @@
                     <a:p>
                       <a:pPr algn="ctr"/>
                       <a:r>
-                        <a:rPr lang="en-US" dirty="0" smtClean="0">
+                        <a:rPr lang="ru-RU" dirty="0" smtClean="0">
                           <a:latin typeface="Times New Roman" pitchFamily="18" charset="0"/>
                           <a:cs typeface="Times New Roman" pitchFamily="18" charset="0"/>
                         </a:rPr>
-                        <a:t>5</a:t>
+                        <a:t>4</a:t>
                       </a:r>
                       <a:endParaRPr lang="ru-RU" dirty="0">
                         <a:latin typeface="Times New Roman" pitchFamily="18" charset="0"/>
@@ -5210,7 +4962,7 @@
                   <a:tcPr anchor="ctr"/>
                 </a:tc>
               </a:tr>
-              <a:tr h="363594">
+              <a:tr h="489891">
                 <a:tc>
                   <a:txBody>
                     <a:bodyPr/>
@@ -5239,7 +4991,28 @@
                     <a:p>
                       <a:pPr algn="ctr"/>
                       <a:r>
-                        <a:rPr lang="en-US" dirty="0" smtClean="0">
+                        <a:rPr lang="ru-RU" dirty="0" smtClean="0">
+                          <a:latin typeface="Times New Roman" pitchFamily="18" charset="0"/>
+                          <a:cs typeface="Times New Roman" pitchFamily="18" charset="0"/>
+                        </a:rPr>
+                        <a:t>3</a:t>
+                      </a:r>
+                      <a:endParaRPr lang="ru-RU" dirty="0">
+                        <a:latin typeface="Times New Roman" pitchFamily="18" charset="0"/>
+                        <a:cs typeface="Times New Roman" pitchFamily="18" charset="0"/>
+                      </a:endParaRPr>
+                    </a:p>
+                  </a:txBody>
+                  <a:tcPr anchor="ctr"/>
+                </a:tc>
+                <a:tc>
+                  <a:txBody>
+                    <a:bodyPr/>
+                    <a:lstStyle/>
+                    <a:p>
+                      <a:pPr algn="ctr"/>
+                      <a:r>
+                        <a:rPr lang="ru-RU" dirty="0" smtClean="0">
                           <a:latin typeface="Times New Roman" pitchFamily="18" charset="0"/>
                           <a:cs typeface="Times New Roman" pitchFamily="18" charset="0"/>
                         </a:rPr>
@@ -5260,124 +5033,7 @@
                     <a:p>
                       <a:pPr algn="ctr"/>
                       <a:r>
-                        <a:rPr lang="en-US" dirty="0" smtClean="0">
-                          <a:latin typeface="Times New Roman" pitchFamily="18" charset="0"/>
-                          <a:cs typeface="Times New Roman" pitchFamily="18" charset="0"/>
-                        </a:rPr>
-                        <a:t>5</a:t>
-                      </a:r>
-                      <a:endParaRPr lang="ru-RU" dirty="0">
-                        <a:latin typeface="Times New Roman" pitchFamily="18" charset="0"/>
-                        <a:cs typeface="Times New Roman" pitchFamily="18" charset="0"/>
-                      </a:endParaRPr>
-                    </a:p>
-                  </a:txBody>
-                  <a:tcPr anchor="ctr"/>
-                </a:tc>
-                <a:tc>
-                  <a:txBody>
-                    <a:bodyPr/>
-                    <a:lstStyle/>
-                    <a:p>
-                      <a:pPr algn="ctr"/>
-                      <a:r>
-                        <a:rPr lang="en-US" dirty="0" smtClean="0">
-                          <a:latin typeface="Times New Roman" pitchFamily="18" charset="0"/>
-                          <a:cs typeface="Times New Roman" pitchFamily="18" charset="0"/>
-                        </a:rPr>
-                        <a:t>2</a:t>
-                      </a:r>
-                      <a:endParaRPr lang="ru-RU" dirty="0">
-                        <a:latin typeface="Times New Roman" pitchFamily="18" charset="0"/>
-                        <a:cs typeface="Times New Roman" pitchFamily="18" charset="0"/>
-                      </a:endParaRPr>
-                    </a:p>
-                  </a:txBody>
-                  <a:tcPr anchor="ctr"/>
-                </a:tc>
-              </a:tr>
-              <a:tr h="512355">
-                <a:tc>
-                  <a:txBody>
-                    <a:bodyPr/>
-                    <a:lstStyle/>
-                    <a:p>
-                      <a:pPr algn="ctr"/>
-                      <a:r>
                         <a:rPr lang="ru-RU" dirty="0" smtClean="0">
-                          <a:latin typeface="Times New Roman" pitchFamily="18" charset="0"/>
-                          <a:cs typeface="Times New Roman" pitchFamily="18" charset="0"/>
-                        </a:rPr>
-                        <a:t>Актуальность </a:t>
-                      </a:r>
-                    </a:p>
-                    <a:p>
-                      <a:pPr algn="ctr"/>
-                      <a:r>
-                        <a:rPr lang="ru-RU" dirty="0" smtClean="0">
-                          <a:latin typeface="Times New Roman" pitchFamily="18" charset="0"/>
-                          <a:cs typeface="Times New Roman" pitchFamily="18" charset="0"/>
-                        </a:rPr>
-                        <a:t>гео-данных</a:t>
-                      </a:r>
-                      <a:endParaRPr lang="ru-RU" dirty="0">
-                        <a:latin typeface="Times New Roman" pitchFamily="18" charset="0"/>
-                        <a:cs typeface="Times New Roman" pitchFamily="18" charset="0"/>
-                      </a:endParaRPr>
-                    </a:p>
-                  </a:txBody>
-                  <a:tcPr anchor="ctr"/>
-                </a:tc>
-                <a:tc>
-                  <a:txBody>
-                    <a:bodyPr/>
-                    <a:lstStyle/>
-                    <a:p>
-                      <a:pPr algn="ctr"/>
-                      <a:r>
-                        <a:rPr lang="en-US" dirty="0" smtClean="0">
-                          <a:latin typeface="Times New Roman" pitchFamily="18" charset="0"/>
-                          <a:cs typeface="Times New Roman" pitchFamily="18" charset="0"/>
-                        </a:rPr>
-                        <a:t>1</a:t>
-                      </a:r>
-                      <a:endParaRPr lang="ru-RU" dirty="0">
-                        <a:latin typeface="Times New Roman" pitchFamily="18" charset="0"/>
-                        <a:cs typeface="Times New Roman" pitchFamily="18" charset="0"/>
-                      </a:endParaRPr>
-                    </a:p>
-                  </a:txBody>
-                  <a:tcPr anchor="ctr"/>
-                </a:tc>
-                <a:tc>
-                  <a:txBody>
-                    <a:bodyPr/>
-                    <a:lstStyle/>
-                    <a:p>
-                      <a:pPr algn="ctr"/>
-                      <a:r>
-                        <a:rPr lang="en-US" dirty="0" smtClean="0">
-                          <a:latin typeface="Times New Roman" pitchFamily="18" charset="0"/>
-                          <a:cs typeface="Times New Roman" pitchFamily="18" charset="0"/>
-                        </a:rPr>
-                        <a:t>1</a:t>
-                      </a:r>
-                      <a:endParaRPr lang="ru-RU" dirty="0">
-                        <a:latin typeface="Times New Roman" pitchFamily="18" charset="0"/>
-                        <a:cs typeface="Times New Roman" pitchFamily="18" charset="0"/>
-                      </a:endParaRPr>
-                    </a:p>
-                  </a:txBody>
-                  <a:tcPr anchor="ctr"/>
-                </a:tc>
-                <a:tc>
-                  <a:txBody>
-                    <a:bodyPr/>
-                    <a:lstStyle/>
-                    <a:p>
-                      <a:pPr algn="ctr"/>
-                      <a:r>
-                        <a:rPr lang="en-US" dirty="0" smtClean="0">
                           <a:latin typeface="Times New Roman" pitchFamily="18" charset="0"/>
                           <a:cs typeface="Times New Roman" pitchFamily="18" charset="0"/>
                         </a:rPr>
@@ -5392,7 +5048,7 @@
                   <a:tcPr anchor="ctr"/>
                 </a:tc>
               </a:tr>
-              <a:tr h="380914">
+              <a:tr h="510188">
                 <a:tc>
                   <a:txBody>
                     <a:bodyPr/>
@@ -5442,11 +5098,11 @@
                     <a:p>
                       <a:pPr algn="ctr"/>
                       <a:r>
-                        <a:rPr lang="en-US" dirty="0" smtClean="0">
+                        <a:rPr lang="ru-RU" dirty="0" smtClean="0">
                           <a:latin typeface="Times New Roman" pitchFamily="18" charset="0"/>
                           <a:cs typeface="Times New Roman" pitchFamily="18" charset="0"/>
                         </a:rPr>
-                        <a:t>2</a:t>
+                        <a:t>3</a:t>
                       </a:r>
                       <a:endParaRPr lang="ru-RU" dirty="0">
                         <a:latin typeface="Times New Roman" pitchFamily="18" charset="0"/>
@@ -5463,11 +5119,97 @@
                     <a:p>
                       <a:pPr algn="ctr"/>
                       <a:r>
-                        <a:rPr lang="en-US" dirty="0" smtClean="0">
+                        <a:rPr lang="ru-RU" dirty="0" smtClean="0">
                           <a:latin typeface="Times New Roman" pitchFamily="18" charset="0"/>
                           <a:cs typeface="Times New Roman" pitchFamily="18" charset="0"/>
                         </a:rPr>
-                        <a:t>3</a:t>
+                        <a:t>4</a:t>
+                      </a:r>
+                      <a:endParaRPr lang="ru-RU" dirty="0">
+                        <a:latin typeface="Times New Roman" pitchFamily="18" charset="0"/>
+                        <a:cs typeface="Times New Roman" pitchFamily="18" charset="0"/>
+                      </a:endParaRPr>
+                    </a:p>
+                  </a:txBody>
+                  <a:tcPr anchor="ctr"/>
+                </a:tc>
+              </a:tr>
+              <a:tr h="510188">
+                <a:tc>
+                  <a:txBody>
+                    <a:bodyPr/>
+                    <a:lstStyle/>
+                    <a:p>
+                      <a:pPr algn="ctr"/>
+                      <a:r>
+                        <a:rPr lang="ru-RU" dirty="0" smtClean="0">
+                          <a:latin typeface="Times New Roman" pitchFamily="18" charset="0"/>
+                          <a:cs typeface="Times New Roman" pitchFamily="18" charset="0"/>
+                        </a:rPr>
+                        <a:t>Сумма</a:t>
+                      </a:r>
+                      <a:endParaRPr lang="ru-RU" dirty="0">
+                        <a:latin typeface="Times New Roman" pitchFamily="18" charset="0"/>
+                        <a:cs typeface="Times New Roman" pitchFamily="18" charset="0"/>
+                      </a:endParaRPr>
+                    </a:p>
+                  </a:txBody>
+                  <a:tcPr anchor="ctr"/>
+                </a:tc>
+                <a:tc>
+                  <a:txBody>
+                    <a:bodyPr/>
+                    <a:lstStyle/>
+                    <a:p>
+                      <a:pPr algn="ctr"/>
+                      <a:r>
+                        <a:rPr lang="ru-RU" dirty="0" smtClean="0">
+                          <a:latin typeface="Times New Roman" pitchFamily="18" charset="0"/>
+                          <a:cs typeface="Times New Roman" pitchFamily="18" charset="0"/>
+                        </a:rPr>
+                        <a:t>16</a:t>
+                      </a:r>
+                      <a:endParaRPr lang="ru-RU" dirty="0">
+                        <a:latin typeface="Times New Roman" pitchFamily="18" charset="0"/>
+                        <a:cs typeface="Times New Roman" pitchFamily="18" charset="0"/>
+                      </a:endParaRPr>
+                    </a:p>
+                  </a:txBody>
+                  <a:tcPr anchor="ctr"/>
+                </a:tc>
+                <a:tc>
+                  <a:txBody>
+                    <a:bodyPr/>
+                    <a:lstStyle/>
+                    <a:p>
+                      <a:pPr algn="ctr"/>
+                      <a:r>
+                        <a:rPr lang="ru-RU" dirty="0" smtClean="0">
+                          <a:latin typeface="Times New Roman" pitchFamily="18" charset="0"/>
+                          <a:cs typeface="Times New Roman" pitchFamily="18" charset="0"/>
+                        </a:rPr>
+                        <a:t>14</a:t>
+                      </a:r>
+                      <a:endParaRPr lang="ru-RU" dirty="0">
+                        <a:latin typeface="Times New Roman" pitchFamily="18" charset="0"/>
+                        <a:cs typeface="Times New Roman" pitchFamily="18" charset="0"/>
+                      </a:endParaRPr>
+                    </a:p>
+                  </a:txBody>
+                  <a:tcPr anchor="ctr"/>
+                </a:tc>
+                <a:tc>
+                  <a:txBody>
+                    <a:bodyPr/>
+                    <a:lstStyle/>
+                    <a:p>
+                      <a:pPr algn="ctr"/>
+                      <a:r>
+                        <a:rPr lang="ru-RU" dirty="0" smtClean="0">
+                          <a:latin typeface="Times New Roman" pitchFamily="18" charset="0"/>
+                          <a:cs typeface="Times New Roman" pitchFamily="18" charset="0"/>
+                        </a:rPr>
+                        <a:t>18</a:t>
                       </a:r>
                       <a:endParaRPr lang="ru-RU" dirty="0">
                         <a:latin typeface="Times New Roman" pitchFamily="18" charset="0"/>
@@ -5487,6 +5229,401 @@
   <p:clrMapOvr>
     <a:masterClrMapping/>
   </p:clrMapOvr>
+  <p:transition>
+    <p:fade/>
+  </p:transition>
+  <p:timing>
+    <p:tnLst>
+      <p:par>
+        <p:cTn id="1" dur="indefinite" restart="never" nodeType="tmRoot"/>
+      </p:par>
+    </p:tnLst>
+  </p:timing>
+</p:sld>
+</file>
+
+<file path=ppt/slides/slide3.xml><?xml version="1.0" encoding="utf-8"?>
+<p:sld xmlns:a="http://schemas.openxmlformats.org/drawingml/2006/main" xmlns:r="http://schemas.openxmlformats.org/officeDocument/2006/relationships" xmlns:p="http://schemas.openxmlformats.org/presentationml/2006/main">
+  <p:cSld>
+    <p:spTree>
+      <p:nvGrpSpPr>
+        <p:cNvPr id="1" name=""/>
+        <p:cNvGrpSpPr/>
+        <p:nvPr/>
+      </p:nvGrpSpPr>
+      <p:grpSpPr>
+        <a:xfrm>
+          <a:off x="0" y="0"/>
+          <a:ext cx="0" cy="0"/>
+          <a:chOff x="0" y="0"/>
+          <a:chExt cx="0" cy="0"/>
+        </a:xfrm>
+      </p:grpSpPr>
+      <p:sp>
+        <p:nvSpPr>
+          <p:cNvPr id="2" name="Заголовок 1"/>
+          <p:cNvSpPr>
+            <a:spLocks noGrp="1"/>
+          </p:cNvSpPr>
+          <p:nvPr>
+            <p:ph type="title"/>
+          </p:nvPr>
+        </p:nvSpPr>
+        <p:spPr/>
+        <p:txBody>
+          <a:bodyPr/>
+          <a:lstStyle/>
+          <a:p>
+            <a:r>
+              <a:rPr lang="ru-RU" b="1" dirty="0" smtClean="0"/>
+              <a:t>Архитектура</a:t>
+            </a:r>
+            <a:endParaRPr lang="ru-RU" b="1" dirty="0"/>
+          </a:p>
+        </p:txBody>
+      </p:sp>
+      <p:sp>
+        <p:nvSpPr>
+          <p:cNvPr id="6" name="Номер слайда 5"/>
+          <p:cNvSpPr>
+            <a:spLocks noGrp="1"/>
+          </p:cNvSpPr>
+          <p:nvPr>
+            <p:ph type="sldNum" sz="quarter" idx="12"/>
+          </p:nvPr>
+        </p:nvSpPr>
+        <p:spPr/>
+        <p:txBody>
+          <a:bodyPr/>
+          <a:lstStyle/>
+          <a:p>
+            <a:fld id="{7BEB5BB6-300C-4D5B-9AC3-521233952C76}" type="slidenum">
+              <a:rPr lang="en-US" smtClean="0"/>
+              <a:pPr/>
+              <a:t>3</a:t>
+            </a:fld>
+            <a:endParaRPr lang="en-US"/>
+          </a:p>
+        </p:txBody>
+      </p:sp>
+      <p:pic>
+        <p:nvPicPr>
+          <p:cNvPr id="1027" name="Picture 3"/>
+          <p:cNvPicPr>
+            <a:picLocks noChangeAspect="1" noChangeArrowheads="1"/>
+          </p:cNvPicPr>
+          <p:nvPr/>
+        </p:nvPicPr>
+        <p:blipFill>
+          <a:blip r:embed="rId2"/>
+          <a:srcRect/>
+          <a:stretch>
+            <a:fillRect/>
+          </a:stretch>
+        </p:blipFill>
+        <p:spPr bwMode="auto">
+          <a:xfrm>
+            <a:off x="2000232" y="1214422"/>
+            <a:ext cx="5219700" cy="5057775"/>
+          </a:xfrm>
+          <a:prstGeom prst="rect">
+            <a:avLst/>
+          </a:prstGeom>
+          <a:noFill/>
+          <a:ln w="9525">
+            <a:noFill/>
+            <a:miter lim="800000"/>
+            <a:headEnd/>
+            <a:tailEnd/>
+          </a:ln>
+          <a:effectLst/>
+        </p:spPr>
+      </p:pic>
+      <p:sp>
+        <p:nvSpPr>
+          <p:cNvPr id="8" name="TextBox 7"/>
+          <p:cNvSpPr txBox="1"/>
+          <p:nvPr/>
+        </p:nvSpPr>
+        <p:spPr>
+          <a:xfrm>
+            <a:off x="4357686" y="2857496"/>
+            <a:ext cx="1071570" cy="307777"/>
+          </a:xfrm>
+          <a:prstGeom prst="rect">
+            <a:avLst/>
+          </a:prstGeom>
+          <a:noFill/>
+        </p:spPr>
+        <p:txBody>
+          <a:bodyPr wrap="square" rtlCol="0">
+            <a:spAutoFit/>
+          </a:bodyPr>
+          <a:lstStyle/>
+          <a:p>
+            <a:r>
+              <a:rPr lang="en-US" sz="1400" b="1" dirty="0" smtClean="0">
+                <a:solidFill>
+                  <a:srgbClr val="FF0000"/>
+                </a:solidFill>
+                <a:latin typeface="Ebrima" pitchFamily="2" charset="0"/>
+                <a:ea typeface="Ebrima" pitchFamily="2" charset="0"/>
+                <a:cs typeface="Ebrima" pitchFamily="2" charset="0"/>
+              </a:rPr>
+              <a:t>Request</a:t>
+            </a:r>
+            <a:endParaRPr lang="ru-RU" sz="1400" b="1" dirty="0">
+              <a:solidFill>
+                <a:srgbClr val="FF0000"/>
+              </a:solidFill>
+              <a:ea typeface="Ebrima" pitchFamily="2" charset="0"/>
+              <a:cs typeface="Ebrima" pitchFamily="2" charset="0"/>
+            </a:endParaRPr>
+          </a:p>
+        </p:txBody>
+      </p:sp>
+      <p:sp>
+        <p:nvSpPr>
+          <p:cNvPr id="10" name="TextBox 9"/>
+          <p:cNvSpPr txBox="1"/>
+          <p:nvPr/>
+        </p:nvSpPr>
+        <p:spPr>
+          <a:xfrm>
+            <a:off x="5500694" y="2857496"/>
+            <a:ext cx="1071570" cy="307777"/>
+          </a:xfrm>
+          <a:prstGeom prst="rect">
+            <a:avLst/>
+          </a:prstGeom>
+          <a:noFill/>
+        </p:spPr>
+        <p:txBody>
+          <a:bodyPr wrap="square" rtlCol="0">
+            <a:spAutoFit/>
+          </a:bodyPr>
+          <a:lstStyle/>
+          <a:p>
+            <a:r>
+              <a:rPr lang="en-US" sz="1400" b="1" dirty="0" smtClean="0">
+                <a:solidFill>
+                  <a:srgbClr val="FF0000"/>
+                </a:solidFill>
+                <a:latin typeface="Ebrima" pitchFamily="2" charset="0"/>
+                <a:ea typeface="Ebrima" pitchFamily="2" charset="0"/>
+                <a:cs typeface="Ebrima" pitchFamily="2" charset="0"/>
+              </a:rPr>
+              <a:t>Response</a:t>
+            </a:r>
+            <a:endParaRPr lang="ru-RU" sz="1400" b="1" dirty="0">
+              <a:solidFill>
+                <a:srgbClr val="FF0000"/>
+              </a:solidFill>
+              <a:ea typeface="Ebrima" pitchFamily="2" charset="0"/>
+              <a:cs typeface="Ebrima" pitchFamily="2" charset="0"/>
+            </a:endParaRPr>
+          </a:p>
+        </p:txBody>
+      </p:sp>
+      <p:sp>
+        <p:nvSpPr>
+          <p:cNvPr id="11" name="TextBox 10"/>
+          <p:cNvSpPr txBox="1"/>
+          <p:nvPr/>
+        </p:nvSpPr>
+        <p:spPr>
+          <a:xfrm>
+            <a:off x="2500298" y="5143512"/>
+            <a:ext cx="1285884" cy="307777"/>
+          </a:xfrm>
+          <a:prstGeom prst="rect">
+            <a:avLst/>
+          </a:prstGeom>
+          <a:noFill/>
+        </p:spPr>
+        <p:txBody>
+          <a:bodyPr wrap="square" rtlCol="0">
+            <a:spAutoFit/>
+          </a:bodyPr>
+          <a:lstStyle/>
+          <a:p>
+            <a:r>
+              <a:rPr lang="en-US" sz="1400" b="1" i="1" dirty="0" smtClean="0">
+                <a:solidFill>
+                  <a:srgbClr val="FFFF00"/>
+                </a:solidFill>
+                <a:latin typeface="Ebrima" pitchFamily="2" charset="0"/>
+                <a:ea typeface="Ebrima" pitchFamily="2" charset="0"/>
+                <a:cs typeface="Ebrima" pitchFamily="2" charset="0"/>
+              </a:rPr>
+              <a:t>MySQL</a:t>
+            </a:r>
+            <a:endParaRPr lang="ru-RU" sz="1400" b="1" i="1" dirty="0">
+              <a:solidFill>
+                <a:srgbClr val="FFFF00"/>
+              </a:solidFill>
+              <a:ea typeface="Ebrima" pitchFamily="2" charset="0"/>
+              <a:cs typeface="Ebrima" pitchFamily="2" charset="0"/>
+            </a:endParaRPr>
+          </a:p>
+        </p:txBody>
+      </p:sp>
+      <p:sp>
+        <p:nvSpPr>
+          <p:cNvPr id="12" name="TextBox 11"/>
+          <p:cNvSpPr txBox="1"/>
+          <p:nvPr/>
+        </p:nvSpPr>
+        <p:spPr>
+          <a:xfrm>
+            <a:off x="2500298" y="3000373"/>
+            <a:ext cx="1500198" cy="307777"/>
+          </a:xfrm>
+          <a:prstGeom prst="rect">
+            <a:avLst/>
+          </a:prstGeom>
+          <a:noFill/>
+        </p:spPr>
+        <p:txBody>
+          <a:bodyPr wrap="square" rtlCol="0">
+            <a:spAutoFit/>
+          </a:bodyPr>
+          <a:lstStyle/>
+          <a:p>
+            <a:r>
+              <a:rPr lang="en-US" sz="1400" b="1" i="1" dirty="0" smtClean="0">
+                <a:solidFill>
+                  <a:srgbClr val="FFFF00"/>
+                </a:solidFill>
+                <a:latin typeface="Ebrima" pitchFamily="2" charset="0"/>
+                <a:ea typeface="Ebrima" pitchFamily="2" charset="0"/>
+                <a:cs typeface="Ebrima" pitchFamily="2" charset="0"/>
+              </a:rPr>
+              <a:t>HTML + SVG</a:t>
+            </a:r>
+            <a:endParaRPr lang="ru-RU" sz="1400" b="1" i="1" dirty="0">
+              <a:solidFill>
+                <a:srgbClr val="FFFF00"/>
+              </a:solidFill>
+              <a:ea typeface="Ebrima" pitchFamily="2" charset="0"/>
+              <a:cs typeface="Ebrima" pitchFamily="2" charset="0"/>
+            </a:endParaRPr>
+          </a:p>
+        </p:txBody>
+      </p:sp>
+      <p:sp>
+        <p:nvSpPr>
+          <p:cNvPr id="13" name="TextBox 12"/>
+          <p:cNvSpPr txBox="1"/>
+          <p:nvPr/>
+        </p:nvSpPr>
+        <p:spPr>
+          <a:xfrm>
+            <a:off x="4929190" y="3786190"/>
+            <a:ext cx="1214446" cy="338554"/>
+          </a:xfrm>
+          <a:prstGeom prst="rect">
+            <a:avLst/>
+          </a:prstGeom>
+          <a:noFill/>
+        </p:spPr>
+        <p:txBody>
+          <a:bodyPr wrap="square" rtlCol="0">
+            <a:spAutoFit/>
+          </a:bodyPr>
+          <a:lstStyle/>
+          <a:p>
+            <a:r>
+              <a:rPr lang="en-US" sz="1600" b="1" dirty="0" smtClean="0">
+                <a:solidFill>
+                  <a:schemeClr val="bg1"/>
+                </a:solidFill>
+                <a:latin typeface="Times New Roman" pitchFamily="18" charset="0"/>
+                <a:cs typeface="Times New Roman" pitchFamily="18" charset="0"/>
+              </a:rPr>
+              <a:t>Node.js</a:t>
+            </a:r>
+            <a:endParaRPr lang="ru-RU" sz="1600" b="1" dirty="0">
+              <a:solidFill>
+                <a:schemeClr val="bg1"/>
+              </a:solidFill>
+              <a:latin typeface="Times New Roman" pitchFamily="18" charset="0"/>
+              <a:cs typeface="Times New Roman" pitchFamily="18" charset="0"/>
+            </a:endParaRPr>
+          </a:p>
+        </p:txBody>
+      </p:sp>
+      <p:sp>
+        <p:nvSpPr>
+          <p:cNvPr id="14" name="TextBox 13"/>
+          <p:cNvSpPr txBox="1"/>
+          <p:nvPr/>
+        </p:nvSpPr>
+        <p:spPr>
+          <a:xfrm>
+            <a:off x="4786314" y="4500570"/>
+            <a:ext cx="1214446" cy="523220"/>
+          </a:xfrm>
+          <a:prstGeom prst="rect">
+            <a:avLst/>
+          </a:prstGeom>
+          <a:noFill/>
+        </p:spPr>
+        <p:txBody>
+          <a:bodyPr wrap="square" rtlCol="0">
+            <a:spAutoFit/>
+          </a:bodyPr>
+          <a:lstStyle/>
+          <a:p>
+            <a:pPr algn="ctr"/>
+            <a:r>
+              <a:rPr lang="en-US" sz="1400" b="1" dirty="0" smtClean="0">
+                <a:solidFill>
+                  <a:schemeClr val="bg1"/>
+                </a:solidFill>
+                <a:latin typeface="Times New Roman" pitchFamily="18" charset="0"/>
+                <a:cs typeface="Times New Roman" pitchFamily="18" charset="0"/>
+              </a:rPr>
+              <a:t>Message</a:t>
+            </a:r>
+          </a:p>
+          <a:p>
+            <a:pPr algn="ctr"/>
+            <a:r>
+              <a:rPr lang="en-US" sz="1400" b="1" dirty="0" smtClean="0">
+                <a:solidFill>
+                  <a:schemeClr val="bg1"/>
+                </a:solidFill>
+                <a:latin typeface="Times New Roman" pitchFamily="18" charset="0"/>
+                <a:cs typeface="Times New Roman" pitchFamily="18" charset="0"/>
+              </a:rPr>
+              <a:t>queue</a:t>
+            </a:r>
+            <a:endParaRPr lang="ru-RU" sz="1400" b="1" dirty="0">
+              <a:solidFill>
+                <a:schemeClr val="bg1"/>
+              </a:solidFill>
+              <a:latin typeface="Times New Roman" pitchFamily="18" charset="0"/>
+              <a:cs typeface="Times New Roman" pitchFamily="18" charset="0"/>
+            </a:endParaRPr>
+          </a:p>
+        </p:txBody>
+      </p:sp>
+    </p:spTree>
+  </p:cSld>
+  <p:clrMapOvr>
+    <a:masterClrMapping/>
+  </p:clrMapOvr>
+  <p:transition>
+    <p:fade/>
+  </p:transition>
+  <p:timing>
+    <p:tnLst>
+      <p:par>
+        <p:cTn id="1" dur="indefinite" restart="never" nodeType="tmRoot"/>
+      </p:par>
+    </p:tnLst>
+  </p:timing>
 </p:sld>
 </file>
 
@@ -5585,6 +5722,16 @@
   <p:clrMapOvr>
     <a:masterClrMapping/>
   </p:clrMapOvr>
+  <p:transition>
+    <p:fade/>
+  </p:transition>
+  <p:timing>
+    <p:tnLst>
+      <p:par>
+        <p:cTn id="1" dur="indefinite" restart="never" nodeType="tmRoot"/>
+      </p:par>
+    </p:tnLst>
+  </p:timing>
 </p:sld>
 </file>
 
@@ -5690,6 +5837,16 @@
   <p:clrMapOvr>
     <a:masterClrMapping/>
   </p:clrMapOvr>
+  <p:transition>
+    <p:fade/>
+  </p:transition>
+  <p:timing>
+    <p:tnLst>
+      <p:par>
+        <p:cTn id="1" dur="indefinite" restart="never" nodeType="tmRoot"/>
+      </p:par>
+    </p:tnLst>
+  </p:timing>
 </p:sld>
 </file>
 
@@ -5795,6 +5952,16 @@
   <p:clrMapOvr>
     <a:masterClrMapping/>
   </p:clrMapOvr>
+  <p:transition>
+    <p:fade/>
+  </p:transition>
+  <p:timing>
+    <p:tnLst>
+      <p:par>
+        <p:cTn id="1" dur="indefinite" restart="never" nodeType="tmRoot"/>
+      </p:par>
+    </p:tnLst>
+  </p:timing>
 </p:sld>
 </file>
 
@@ -5834,6 +6001,18 @@
               <a:rPr lang="ru-RU" b="1" dirty="0" smtClean="0"/>
               <a:t>Запрос данных с базы данных</a:t>
             </a:r>
+            <a:r>
+              <a:rPr lang="en-US" b="1" dirty="0" smtClean="0"/>
+              <a:t> </a:t>
+            </a:r>
+            <a:r>
+              <a:rPr lang="ru-RU" b="1" dirty="0" smtClean="0"/>
+              <a:t>и </a:t>
+            </a:r>
+            <a:r>
+              <a:rPr lang="ru-RU" b="1" dirty="0" smtClean="0"/>
+              <a:t>файла</a:t>
+            </a:r>
             <a:endParaRPr lang="ru-RU" b="1" dirty="0"/>
           </a:p>
         </p:txBody>
@@ -6111,6 +6290,16 @@
   <p:clrMapOvr>
     <a:masterClrMapping/>
   </p:clrMapOvr>
+  <p:transition>
+    <p:fade/>
+  </p:transition>
+  <p:timing>
+    <p:tnLst>
+      <p:par>
+        <p:cTn id="1" dur="indefinite" restart="never" nodeType="tmRoot"/>
+      </p:par>
+    </p:tnLst>
+  </p:timing>
 </p:sld>
 </file>
 
@@ -6184,7 +6373,7 @@
               <a:t>Приложение для управления проектами – </a:t>
             </a:r>
             <a:r>
-              <a:rPr lang="en-US" dirty="0" err="1" smtClean="0">
+              <a:rPr lang="en-US" b="1" dirty="0" err="1" smtClean="0">
                 <a:latin typeface="Times New Roman" pitchFamily="18" charset="0"/>
                 <a:cs typeface="Times New Roman" pitchFamily="18" charset="0"/>
               </a:rPr>
@@ -6211,7 +6400,7 @@
               <a:t>Система контроля версий – </a:t>
             </a:r>
             <a:r>
-              <a:rPr lang="en-US" dirty="0" err="1" smtClean="0">
+              <a:rPr lang="en-US" b="1" dirty="0" err="1" smtClean="0">
                 <a:latin typeface="Times New Roman" pitchFamily="18" charset="0"/>
                 <a:cs typeface="Times New Roman" pitchFamily="18" charset="0"/>
               </a:rPr>
@@ -6234,11 +6423,18 @@
               <a:t>Платформа для работы с сетью и диском – </a:t>
             </a:r>
             <a:r>
+              <a:rPr lang="en-US" b="1" dirty="0" smtClean="0">
+                <a:latin typeface="Times New Roman" pitchFamily="18" charset="0"/>
+                <a:cs typeface="Times New Roman" pitchFamily="18" charset="0"/>
+              </a:rPr>
+              <a:t>NodeJS</a:t>
+            </a:r>
+            <a:r>
               <a:rPr lang="en-US" dirty="0" smtClean="0">
                 <a:latin typeface="Times New Roman" pitchFamily="18" charset="0"/>
                 <a:cs typeface="Times New Roman" pitchFamily="18" charset="0"/>
               </a:rPr>
-              <a:t>NodeJS;</a:t>
+              <a:t>;</a:t>
             </a:r>
           </a:p>
           <a:p>
@@ -6250,11 +6446,18 @@
               <a:t>Сценарный язык программирования – </a:t>
             </a:r>
             <a:r>
+              <a:rPr lang="en-US" b="1" dirty="0" smtClean="0">
+                <a:latin typeface="Times New Roman" pitchFamily="18" charset="0"/>
+                <a:cs typeface="Times New Roman" pitchFamily="18" charset="0"/>
+              </a:rPr>
+              <a:t>JavaScript</a:t>
+            </a:r>
+            <a:r>
               <a:rPr lang="en-US" dirty="0" smtClean="0">
                 <a:latin typeface="Times New Roman" pitchFamily="18" charset="0"/>
                 <a:cs typeface="Times New Roman" pitchFamily="18" charset="0"/>
               </a:rPr>
-              <a:t>JavaScript;</a:t>
+              <a:t>;</a:t>
             </a:r>
           </a:p>
           <a:p>
@@ -6266,11 +6469,18 @@
               <a:t>СУБД – </a:t>
             </a:r>
             <a:r>
+              <a:rPr lang="en-US" b="1" dirty="0" smtClean="0">
+                <a:latin typeface="Times New Roman" pitchFamily="18" charset="0"/>
+                <a:cs typeface="Times New Roman" pitchFamily="18" charset="0"/>
+              </a:rPr>
+              <a:t>MySQL</a:t>
+            </a:r>
+            <a:r>
               <a:rPr lang="en-US" dirty="0" smtClean="0">
                 <a:latin typeface="Times New Roman" pitchFamily="18" charset="0"/>
                 <a:cs typeface="Times New Roman" pitchFamily="18" charset="0"/>
               </a:rPr>
-              <a:t>MySQL;</a:t>
+              <a:t>;</a:t>
             </a:r>
           </a:p>
           <a:p>
@@ -6282,11 +6492,18 @@
               <a:t>Векторный формат изображений – </a:t>
             </a:r>
             <a:r>
+              <a:rPr lang="en-US" b="1" dirty="0" smtClean="0">
+                <a:latin typeface="Times New Roman" pitchFamily="18" charset="0"/>
+                <a:cs typeface="Times New Roman" pitchFamily="18" charset="0"/>
+              </a:rPr>
+              <a:t>SVG</a:t>
+            </a:r>
+            <a:r>
               <a:rPr lang="en-US" dirty="0" smtClean="0">
                 <a:latin typeface="Times New Roman" pitchFamily="18" charset="0"/>
                 <a:cs typeface="Times New Roman" pitchFamily="18" charset="0"/>
               </a:rPr>
-              <a:t>SVG;</a:t>
+              <a:t>;</a:t>
             </a:r>
           </a:p>
           <a:p>
@@ -6312,11 +6529,18 @@
               <a:t>внешнего вида документа – </a:t>
             </a:r>
             <a:r>
+              <a:rPr lang="en-US" b="1" dirty="0" smtClean="0">
+                <a:latin typeface="Times New Roman" pitchFamily="18" charset="0"/>
+                <a:cs typeface="Times New Roman" pitchFamily="18" charset="0"/>
+              </a:rPr>
+              <a:t>CSS</a:t>
+            </a:r>
+            <a:r>
               <a:rPr lang="en-US" dirty="0" smtClean="0">
                 <a:latin typeface="Times New Roman" pitchFamily="18" charset="0"/>
                 <a:cs typeface="Times New Roman" pitchFamily="18" charset="0"/>
               </a:rPr>
-              <a:t>CSS;</a:t>
+              <a:t>;</a:t>
             </a:r>
             <a:endParaRPr lang="ru-RU" dirty="0" smtClean="0">
               <a:latin typeface="Times New Roman" pitchFamily="18" charset="0"/>
@@ -6332,11 +6556,18 @@
               <a:t>Язык разметки веб-документов – </a:t>
             </a:r>
             <a:r>
+              <a:rPr lang="en-US" b="1" dirty="0" smtClean="0">
+                <a:latin typeface="Times New Roman" pitchFamily="18" charset="0"/>
+                <a:cs typeface="Times New Roman" pitchFamily="18" charset="0"/>
+              </a:rPr>
+              <a:t>HTML</a:t>
+            </a:r>
+            <a:r>
               <a:rPr lang="en-US" dirty="0" smtClean="0">
                 <a:latin typeface="Times New Roman" pitchFamily="18" charset="0"/>
                 <a:cs typeface="Times New Roman" pitchFamily="18" charset="0"/>
               </a:rPr>
-              <a:t>HTML;</a:t>
+              <a:t>;</a:t>
             </a:r>
             <a:endParaRPr lang="ru-RU" dirty="0" smtClean="0">
               <a:latin typeface="Times New Roman" pitchFamily="18" charset="0"/>
@@ -6352,11 +6583,18 @@
               <a:t>ПО для графического дизайна – </a:t>
             </a:r>
             <a:r>
+              <a:rPr lang="en-US" b="1" dirty="0" smtClean="0">
+                <a:latin typeface="Times New Roman" pitchFamily="18" charset="0"/>
+                <a:cs typeface="Times New Roman" pitchFamily="18" charset="0"/>
+              </a:rPr>
+              <a:t>CorelDraw</a:t>
+            </a:r>
+            <a:r>
               <a:rPr lang="en-US" dirty="0" smtClean="0">
                 <a:latin typeface="Times New Roman" pitchFamily="18" charset="0"/>
                 <a:cs typeface="Times New Roman" pitchFamily="18" charset="0"/>
               </a:rPr>
-              <a:t>CorelDraw;</a:t>
+              <a:t>;</a:t>
             </a:r>
           </a:p>
           <a:p>
@@ -6375,11 +6613,18 @@
               <a:t>средство – </a:t>
             </a:r>
             <a:r>
+              <a:rPr lang="en-US" b="1" dirty="0" smtClean="0">
+                <a:latin typeface="Times New Roman" pitchFamily="18" charset="0"/>
+                <a:cs typeface="Times New Roman" pitchFamily="18" charset="0"/>
+              </a:rPr>
+              <a:t>Visual Paradigm</a:t>
+            </a:r>
+            <a:r>
               <a:rPr lang="en-US" dirty="0" smtClean="0">
                 <a:latin typeface="Times New Roman" pitchFamily="18" charset="0"/>
                 <a:cs typeface="Times New Roman" pitchFamily="18" charset="0"/>
               </a:rPr>
-              <a:t>Visual Paradigm.</a:t>
+              <a:t>.</a:t>
             </a:r>
           </a:p>
           <a:p>
@@ -6416,6 +6661,16 @@
   <p:clrMapOvr>
     <a:masterClrMapping/>
   </p:clrMapOvr>
+  <p:transition>
+    <p:fade/>
+  </p:transition>
+  <p:timing>
+    <p:tnLst>
+      <p:par>
+        <p:cTn id="1" dur="indefinite" restart="never" nodeType="tmRoot"/>
+      </p:par>
+    </p:tnLst>
+  </p:timing>
 </p:sld>
 </file>
 
@@ -6474,23 +6729,10 @@
           <a:bodyPr/>
           <a:lstStyle/>
           <a:p>
-            <a:pPr marL="0" indent="0">
-              <a:buNone/>
-            </a:pPr>
-            <a:r>
-              <a:rPr lang="ru-RU" b="1" dirty="0" smtClean="0"/>
-              <a:t>В ходе дипломной работы</a:t>
-            </a:r>
-            <a:r>
-              <a:rPr lang="en-US" b="1" dirty="0" smtClean="0"/>
-              <a:t>:</a:t>
-            </a:r>
-          </a:p>
-          <a:p>
             <a:pPr marL="0" indent="450850"/>
             <a:r>
               <a:rPr lang="ru-RU" dirty="0" smtClean="0"/>
-              <a:t>Была разработана схема базы данных «Расписание»;</a:t>
+              <a:t>Разработана схема базы данных «Расписание»;</a:t>
             </a:r>
           </a:p>
           <a:p>
@@ -6575,6 +6817,16 @@
   <p:clrMapOvr>
     <a:masterClrMapping/>
   </p:clrMapOvr>
+  <p:transition>
+    <p:fade/>
+  </p:transition>
+  <p:timing>
+    <p:tnLst>
+      <p:par>
+        <p:cTn id="1" dur="indefinite" restart="never" nodeType="tmRoot"/>
+      </p:par>
+    </p:tnLst>
+  </p:timing>
 </p:sld>
 </file>
 
